--- a/Pop*/manuscripts/PhD Proposal/graphics.pptx
+++ b/Pop*/manuscripts/PhD Proposal/graphics.pptx
@@ -5,13 +5,14 @@
     <p:sldMasterId id="2147483648" r:id="rId1"/>
   </p:sldMasterIdLst>
   <p:notesMasterIdLst>
-    <p:notesMasterId r:id="rId6"/>
+    <p:notesMasterId r:id="rId7"/>
   </p:notesMasterIdLst>
   <p:sldIdLst>
     <p:sldId id="256" r:id="rId2"/>
     <p:sldId id="257" r:id="rId3"/>
-    <p:sldId id="258" r:id="rId4"/>
-    <p:sldId id="259" r:id="rId5"/>
+    <p:sldId id="260" r:id="rId4"/>
+    <p:sldId id="258" r:id="rId5"/>
+    <p:sldId id="259" r:id="rId6"/>
   </p:sldIdLst>
   <p:sldSz cx="9144000" cy="6858000" type="screen4x3"/>
   <p:notesSz cx="6858000" cy="9144000"/>
@@ -110,6 +111,22 @@
       </a:defRPr>
     </a:lvl9pPr>
   </p:defaultTextStyle>
+  <p:extLst>
+    <p:ext uri="{EFAFB233-063F-42B5-8137-9DF3F51BA10A}">
+      <p15:sldGuideLst xmlns:p15="http://schemas.microsoft.com/office/powerpoint/2012/main">
+        <p15:guide id="1" orient="horz" pos="2160">
+          <p15:clr>
+            <a:srgbClr val="A4A3A4"/>
+          </p15:clr>
+        </p15:guide>
+        <p15:guide id="2" pos="2880">
+          <p15:clr>
+            <a:srgbClr val="A4A3A4"/>
+          </p15:clr>
+        </p15:guide>
+      </p15:sldGuideLst>
+    </p:ext>
+  </p:extLst>
 </p:presentation>
 </file>
 
@@ -195,7 +212,7 @@
           <a:p>
             <a:fld id="{74041EA4-8014-1546-A1F6-24AAE432A9E0}" type="datetimeFigureOut">
               <a:rPr lang="en-US" smtClean="0"/>
-              <a:t>2/23/16</a:t>
+              <a:t>2/21/18</a:t>
             </a:fld>
             <a:endParaRPr lang="en-US"/>
           </a:p>
@@ -259,38 +276,37 @@
           <a:p>
             <a:pPr lvl="0"/>
             <a:r>
-              <a:rPr lang="en-US" smtClean="0"/>
+              <a:rPr lang="en-US"/>
               <a:t>Click to edit Master text styles</a:t>
             </a:r>
           </a:p>
           <a:p>
             <a:pPr lvl="1"/>
             <a:r>
-              <a:rPr lang="en-US" smtClean="0"/>
+              <a:rPr lang="en-US"/>
               <a:t>Second level</a:t>
             </a:r>
           </a:p>
           <a:p>
             <a:pPr lvl="2"/>
             <a:r>
-              <a:rPr lang="en-US" smtClean="0"/>
+              <a:rPr lang="en-US"/>
               <a:t>Third level</a:t>
             </a:r>
           </a:p>
           <a:p>
             <a:pPr lvl="3"/>
             <a:r>
-              <a:rPr lang="en-US" smtClean="0"/>
+              <a:rPr lang="en-US"/>
               <a:t>Fourth level</a:t>
             </a:r>
           </a:p>
           <a:p>
             <a:pPr lvl="4"/>
             <a:r>
-              <a:rPr lang="en-US" smtClean="0"/>
+              <a:rPr lang="en-US"/>
               <a:t>Fifth level</a:t>
             </a:r>
-            <a:endParaRPr lang="en-US"/>
           </a:p>
         </p:txBody>
       </p:sp>
@@ -540,7 +556,7 @@
           <a:p>
             <a:fld id="{180378C0-FD10-424C-9904-C67B3A16529A}" type="slidenum">
               <a:rPr lang="en-US" smtClean="0"/>
-              <a:t>3</a:t>
+              <a:t>4</a:t>
             </a:fld>
             <a:endParaRPr lang="en-US"/>
           </a:p>
@@ -604,11 +620,11 @@
           <a:lstStyle/>
           <a:p>
             <a:r>
-              <a:rPr lang="en-US" dirty="0" smtClean="0"/>
+              <a:rPr lang="en-US" dirty="0"/>
               <a:t>If you’re just looking</a:t>
             </a:r>
             <a:r>
-              <a:rPr lang="en-US" baseline="0" dirty="0" smtClean="0"/>
+              <a:rPr lang="en-US" baseline="0" dirty="0"/>
               <a:t> at the ends of phrases for rhyming, you’ll miss sub-rhyme schemes that add significant value, novelty, and surprise.</a:t>
             </a:r>
             <a:endParaRPr lang="en-US" dirty="0"/>
@@ -632,7 +648,7 @@
           <a:p>
             <a:fld id="{180378C0-FD10-424C-9904-C67B3A16529A}" type="slidenum">
               <a:rPr lang="en-US" smtClean="0"/>
-              <a:t>4</a:t>
+              <a:t>5</a:t>
             </a:fld>
             <a:endParaRPr lang="en-US"/>
           </a:p>
@@ -689,10 +705,9 @@
           <a:lstStyle/>
           <a:p>
             <a:r>
-              <a:rPr lang="en-US" smtClean="0"/>
+              <a:rPr lang="en-US"/>
               <a:t>Click to edit Master title style</a:t>
             </a:r>
-            <a:endParaRPr lang="en-US"/>
           </a:p>
         </p:txBody>
       </p:sp>
@@ -808,10 +823,9 @@
           </a:lstStyle>
           <a:p>
             <a:r>
-              <a:rPr lang="en-US" smtClean="0"/>
+              <a:rPr lang="en-US"/>
               <a:t>Click to edit Master subtitle style</a:t>
             </a:r>
-            <a:endParaRPr lang="en-US"/>
           </a:p>
         </p:txBody>
       </p:sp>
@@ -832,7 +846,7 @@
           <a:p>
             <a:fld id="{D3F9B237-FA07-A443-AA6E-D4FA7F83BC67}" type="datetimeFigureOut">
               <a:rPr lang="en-US" smtClean="0"/>
-              <a:t>2/23/16</a:t>
+              <a:t>2/21/18</a:t>
             </a:fld>
             <a:endParaRPr lang="en-US"/>
           </a:p>
@@ -926,10 +940,9 @@
           <a:lstStyle/>
           <a:p>
             <a:r>
-              <a:rPr lang="en-US" smtClean="0"/>
+              <a:rPr lang="en-US"/>
               <a:t>Click to edit Master title style</a:t>
             </a:r>
-            <a:endParaRPr lang="en-US"/>
           </a:p>
         </p:txBody>
       </p:sp>
@@ -950,38 +963,37 @@
           <a:p>
             <a:pPr lvl="0"/>
             <a:r>
-              <a:rPr lang="en-US" smtClean="0"/>
+              <a:rPr lang="en-US"/>
               <a:t>Click to edit Master text styles</a:t>
             </a:r>
           </a:p>
           <a:p>
             <a:pPr lvl="1"/>
             <a:r>
-              <a:rPr lang="en-US" smtClean="0"/>
+              <a:rPr lang="en-US"/>
               <a:t>Second level</a:t>
             </a:r>
           </a:p>
           <a:p>
             <a:pPr lvl="2"/>
             <a:r>
-              <a:rPr lang="en-US" smtClean="0"/>
+              <a:rPr lang="en-US"/>
               <a:t>Third level</a:t>
             </a:r>
           </a:p>
           <a:p>
             <a:pPr lvl="3"/>
             <a:r>
-              <a:rPr lang="en-US" smtClean="0"/>
+              <a:rPr lang="en-US"/>
               <a:t>Fourth level</a:t>
             </a:r>
           </a:p>
           <a:p>
             <a:pPr lvl="4"/>
             <a:r>
-              <a:rPr lang="en-US" smtClean="0"/>
+              <a:rPr lang="en-US"/>
               <a:t>Fifth level</a:t>
             </a:r>
-            <a:endParaRPr lang="en-US"/>
           </a:p>
         </p:txBody>
       </p:sp>
@@ -1002,7 +1014,7 @@
           <a:p>
             <a:fld id="{D3F9B237-FA07-A443-AA6E-D4FA7F83BC67}" type="datetimeFigureOut">
               <a:rPr lang="en-US" smtClean="0"/>
-              <a:t>2/23/16</a:t>
+              <a:t>2/21/18</a:t>
             </a:fld>
             <a:endParaRPr lang="en-US"/>
           </a:p>
@@ -1101,10 +1113,9 @@
           <a:lstStyle/>
           <a:p>
             <a:r>
-              <a:rPr lang="en-US" smtClean="0"/>
+              <a:rPr lang="en-US"/>
               <a:t>Click to edit Master title style</a:t>
             </a:r>
-            <a:endParaRPr lang="en-US"/>
           </a:p>
         </p:txBody>
       </p:sp>
@@ -1130,38 +1141,37 @@
           <a:p>
             <a:pPr lvl="0"/>
             <a:r>
-              <a:rPr lang="en-US" smtClean="0"/>
+              <a:rPr lang="en-US"/>
               <a:t>Click to edit Master text styles</a:t>
             </a:r>
           </a:p>
           <a:p>
             <a:pPr lvl="1"/>
             <a:r>
-              <a:rPr lang="en-US" smtClean="0"/>
+              <a:rPr lang="en-US"/>
               <a:t>Second level</a:t>
             </a:r>
           </a:p>
           <a:p>
             <a:pPr lvl="2"/>
             <a:r>
-              <a:rPr lang="en-US" smtClean="0"/>
+              <a:rPr lang="en-US"/>
               <a:t>Third level</a:t>
             </a:r>
           </a:p>
           <a:p>
             <a:pPr lvl="3"/>
             <a:r>
-              <a:rPr lang="en-US" smtClean="0"/>
+              <a:rPr lang="en-US"/>
               <a:t>Fourth level</a:t>
             </a:r>
           </a:p>
           <a:p>
             <a:pPr lvl="4"/>
             <a:r>
-              <a:rPr lang="en-US" smtClean="0"/>
+              <a:rPr lang="en-US"/>
               <a:t>Fifth level</a:t>
             </a:r>
-            <a:endParaRPr lang="en-US"/>
           </a:p>
         </p:txBody>
       </p:sp>
@@ -1182,7 +1192,7 @@
           <a:p>
             <a:fld id="{D3F9B237-FA07-A443-AA6E-D4FA7F83BC67}" type="datetimeFigureOut">
               <a:rPr lang="en-US" smtClean="0"/>
-              <a:t>2/23/16</a:t>
+              <a:t>2/21/18</a:t>
             </a:fld>
             <a:endParaRPr lang="en-US"/>
           </a:p>
@@ -1276,10 +1286,9 @@
           <a:lstStyle/>
           <a:p>
             <a:r>
-              <a:rPr lang="en-US" smtClean="0"/>
+              <a:rPr lang="en-US"/>
               <a:t>Click to edit Master title style</a:t>
             </a:r>
-            <a:endParaRPr lang="en-US"/>
           </a:p>
         </p:txBody>
       </p:sp>
@@ -1300,38 +1309,37 @@
           <a:p>
             <a:pPr lvl="0"/>
             <a:r>
-              <a:rPr lang="en-US" smtClean="0"/>
+              <a:rPr lang="en-US"/>
               <a:t>Click to edit Master text styles</a:t>
             </a:r>
           </a:p>
           <a:p>
             <a:pPr lvl="1"/>
             <a:r>
-              <a:rPr lang="en-US" smtClean="0"/>
+              <a:rPr lang="en-US"/>
               <a:t>Second level</a:t>
             </a:r>
           </a:p>
           <a:p>
             <a:pPr lvl="2"/>
             <a:r>
-              <a:rPr lang="en-US" smtClean="0"/>
+              <a:rPr lang="en-US"/>
               <a:t>Third level</a:t>
             </a:r>
           </a:p>
           <a:p>
             <a:pPr lvl="3"/>
             <a:r>
-              <a:rPr lang="en-US" smtClean="0"/>
+              <a:rPr lang="en-US"/>
               <a:t>Fourth level</a:t>
             </a:r>
           </a:p>
           <a:p>
             <a:pPr lvl="4"/>
             <a:r>
-              <a:rPr lang="en-US" smtClean="0"/>
+              <a:rPr lang="en-US"/>
               <a:t>Fifth level</a:t>
             </a:r>
-            <a:endParaRPr lang="en-US"/>
           </a:p>
         </p:txBody>
       </p:sp>
@@ -1352,7 +1360,7 @@
           <a:p>
             <a:fld id="{D3F9B237-FA07-A443-AA6E-D4FA7F83BC67}" type="datetimeFigureOut">
               <a:rPr lang="en-US" smtClean="0"/>
-              <a:t>2/23/16</a:t>
+              <a:t>2/21/18</a:t>
             </a:fld>
             <a:endParaRPr lang="en-US"/>
           </a:p>
@@ -1455,10 +1463,9 @@
           </a:lstStyle>
           <a:p>
             <a:r>
-              <a:rPr lang="en-US" smtClean="0"/>
+              <a:rPr lang="en-US"/>
               <a:t>Click to edit Master title style</a:t>
             </a:r>
-            <a:endParaRPr lang="en-US"/>
           </a:p>
         </p:txBody>
       </p:sp>
@@ -1575,7 +1582,7 @@
           <a:p>
             <a:pPr lvl="0"/>
             <a:r>
-              <a:rPr lang="en-US" smtClean="0"/>
+              <a:rPr lang="en-US"/>
               <a:t>Click to edit Master text styles</a:t>
             </a:r>
           </a:p>
@@ -1598,7 +1605,7 @@
           <a:p>
             <a:fld id="{D3F9B237-FA07-A443-AA6E-D4FA7F83BC67}" type="datetimeFigureOut">
               <a:rPr lang="en-US" smtClean="0"/>
-              <a:t>2/23/16</a:t>
+              <a:t>2/21/18</a:t>
             </a:fld>
             <a:endParaRPr lang="en-US"/>
           </a:p>
@@ -1692,10 +1699,9 @@
           <a:lstStyle/>
           <a:p>
             <a:r>
-              <a:rPr lang="en-US" smtClean="0"/>
+              <a:rPr lang="en-US"/>
               <a:t>Click to edit Master title style</a:t>
             </a:r>
-            <a:endParaRPr lang="en-US"/>
           </a:p>
         </p:txBody>
       </p:sp>
@@ -1749,38 +1755,37 @@
           <a:p>
             <a:pPr lvl="0"/>
             <a:r>
-              <a:rPr lang="en-US" smtClean="0"/>
+              <a:rPr lang="en-US"/>
               <a:t>Click to edit Master text styles</a:t>
             </a:r>
           </a:p>
           <a:p>
             <a:pPr lvl="1"/>
             <a:r>
-              <a:rPr lang="en-US" smtClean="0"/>
+              <a:rPr lang="en-US"/>
               <a:t>Second level</a:t>
             </a:r>
           </a:p>
           <a:p>
             <a:pPr lvl="2"/>
             <a:r>
-              <a:rPr lang="en-US" smtClean="0"/>
+              <a:rPr lang="en-US"/>
               <a:t>Third level</a:t>
             </a:r>
           </a:p>
           <a:p>
             <a:pPr lvl="3"/>
             <a:r>
-              <a:rPr lang="en-US" smtClean="0"/>
+              <a:rPr lang="en-US"/>
               <a:t>Fourth level</a:t>
             </a:r>
           </a:p>
           <a:p>
             <a:pPr lvl="4"/>
             <a:r>
-              <a:rPr lang="en-US" smtClean="0"/>
+              <a:rPr lang="en-US"/>
               <a:t>Fifth level</a:t>
             </a:r>
-            <a:endParaRPr lang="en-US"/>
           </a:p>
         </p:txBody>
       </p:sp>
@@ -1834,38 +1839,37 @@
           <a:p>
             <a:pPr lvl="0"/>
             <a:r>
-              <a:rPr lang="en-US" smtClean="0"/>
+              <a:rPr lang="en-US"/>
               <a:t>Click to edit Master text styles</a:t>
             </a:r>
           </a:p>
           <a:p>
             <a:pPr lvl="1"/>
             <a:r>
-              <a:rPr lang="en-US" smtClean="0"/>
+              <a:rPr lang="en-US"/>
               <a:t>Second level</a:t>
             </a:r>
           </a:p>
           <a:p>
             <a:pPr lvl="2"/>
             <a:r>
-              <a:rPr lang="en-US" smtClean="0"/>
+              <a:rPr lang="en-US"/>
               <a:t>Third level</a:t>
             </a:r>
           </a:p>
           <a:p>
             <a:pPr lvl="3"/>
             <a:r>
-              <a:rPr lang="en-US" smtClean="0"/>
+              <a:rPr lang="en-US"/>
               <a:t>Fourth level</a:t>
             </a:r>
           </a:p>
           <a:p>
             <a:pPr lvl="4"/>
             <a:r>
-              <a:rPr lang="en-US" smtClean="0"/>
+              <a:rPr lang="en-US"/>
               <a:t>Fifth level</a:t>
             </a:r>
-            <a:endParaRPr lang="en-US"/>
           </a:p>
         </p:txBody>
       </p:sp>
@@ -1886,7 +1890,7 @@
           <a:p>
             <a:fld id="{D3F9B237-FA07-A443-AA6E-D4FA7F83BC67}" type="datetimeFigureOut">
               <a:rPr lang="en-US" smtClean="0"/>
-              <a:t>2/23/16</a:t>
+              <a:t>2/21/18</a:t>
             </a:fld>
             <a:endParaRPr lang="en-US"/>
           </a:p>
@@ -1984,10 +1988,9 @@
           </a:lstStyle>
           <a:p>
             <a:r>
-              <a:rPr lang="en-US" smtClean="0"/>
+              <a:rPr lang="en-US"/>
               <a:t>Click to edit Master title style</a:t>
             </a:r>
-            <a:endParaRPr lang="en-US"/>
           </a:p>
         </p:txBody>
       </p:sp>
@@ -2050,7 +2053,7 @@
           <a:p>
             <a:pPr lvl="0"/>
             <a:r>
-              <a:rPr lang="en-US" smtClean="0"/>
+              <a:rPr lang="en-US"/>
               <a:t>Click to edit Master text styles</a:t>
             </a:r>
           </a:p>
@@ -2106,38 +2109,37 @@
           <a:p>
             <a:pPr lvl="0"/>
             <a:r>
-              <a:rPr lang="en-US" smtClean="0"/>
+              <a:rPr lang="en-US"/>
               <a:t>Click to edit Master text styles</a:t>
             </a:r>
           </a:p>
           <a:p>
             <a:pPr lvl="1"/>
             <a:r>
-              <a:rPr lang="en-US" smtClean="0"/>
+              <a:rPr lang="en-US"/>
               <a:t>Second level</a:t>
             </a:r>
           </a:p>
           <a:p>
             <a:pPr lvl="2"/>
             <a:r>
-              <a:rPr lang="en-US" smtClean="0"/>
+              <a:rPr lang="en-US"/>
               <a:t>Third level</a:t>
             </a:r>
           </a:p>
           <a:p>
             <a:pPr lvl="3"/>
             <a:r>
-              <a:rPr lang="en-US" smtClean="0"/>
+              <a:rPr lang="en-US"/>
               <a:t>Fourth level</a:t>
             </a:r>
           </a:p>
           <a:p>
             <a:pPr lvl="4"/>
             <a:r>
-              <a:rPr lang="en-US" smtClean="0"/>
+              <a:rPr lang="en-US"/>
               <a:t>Fifth level</a:t>
             </a:r>
-            <a:endParaRPr lang="en-US"/>
           </a:p>
         </p:txBody>
       </p:sp>
@@ -2200,7 +2202,7 @@
           <a:p>
             <a:pPr lvl="0"/>
             <a:r>
-              <a:rPr lang="en-US" smtClean="0"/>
+              <a:rPr lang="en-US"/>
               <a:t>Click to edit Master text styles</a:t>
             </a:r>
           </a:p>
@@ -2256,38 +2258,37 @@
           <a:p>
             <a:pPr lvl="0"/>
             <a:r>
-              <a:rPr lang="en-US" smtClean="0"/>
+              <a:rPr lang="en-US"/>
               <a:t>Click to edit Master text styles</a:t>
             </a:r>
           </a:p>
           <a:p>
             <a:pPr lvl="1"/>
             <a:r>
-              <a:rPr lang="en-US" smtClean="0"/>
+              <a:rPr lang="en-US"/>
               <a:t>Second level</a:t>
             </a:r>
           </a:p>
           <a:p>
             <a:pPr lvl="2"/>
             <a:r>
-              <a:rPr lang="en-US" smtClean="0"/>
+              <a:rPr lang="en-US"/>
               <a:t>Third level</a:t>
             </a:r>
           </a:p>
           <a:p>
             <a:pPr lvl="3"/>
             <a:r>
-              <a:rPr lang="en-US" smtClean="0"/>
+              <a:rPr lang="en-US"/>
               <a:t>Fourth level</a:t>
             </a:r>
           </a:p>
           <a:p>
             <a:pPr lvl="4"/>
             <a:r>
-              <a:rPr lang="en-US" smtClean="0"/>
+              <a:rPr lang="en-US"/>
               <a:t>Fifth level</a:t>
             </a:r>
-            <a:endParaRPr lang="en-US"/>
           </a:p>
         </p:txBody>
       </p:sp>
@@ -2308,7 +2309,7 @@
           <a:p>
             <a:fld id="{D3F9B237-FA07-A443-AA6E-D4FA7F83BC67}" type="datetimeFigureOut">
               <a:rPr lang="en-US" smtClean="0"/>
-              <a:t>2/23/16</a:t>
+              <a:t>2/21/18</a:t>
             </a:fld>
             <a:endParaRPr lang="en-US"/>
           </a:p>
@@ -2402,10 +2403,9 @@
           <a:lstStyle/>
           <a:p>
             <a:r>
-              <a:rPr lang="en-US" smtClean="0"/>
+              <a:rPr lang="en-US"/>
               <a:t>Click to edit Master title style</a:t>
             </a:r>
-            <a:endParaRPr lang="en-US"/>
           </a:p>
         </p:txBody>
       </p:sp>
@@ -2426,7 +2426,7 @@
           <a:p>
             <a:fld id="{D3F9B237-FA07-A443-AA6E-D4FA7F83BC67}" type="datetimeFigureOut">
               <a:rPr lang="en-US" smtClean="0"/>
-              <a:t>2/23/16</a:t>
+              <a:t>2/21/18</a:t>
             </a:fld>
             <a:endParaRPr lang="en-US"/>
           </a:p>
@@ -2521,7 +2521,7 @@
           <a:p>
             <a:fld id="{D3F9B237-FA07-A443-AA6E-D4FA7F83BC67}" type="datetimeFigureOut">
               <a:rPr lang="en-US" smtClean="0"/>
-              <a:t>2/23/16</a:t>
+              <a:t>2/21/18</a:t>
             </a:fld>
             <a:endParaRPr lang="en-US"/>
           </a:p>
@@ -2624,10 +2624,9 @@
           </a:lstStyle>
           <a:p>
             <a:r>
-              <a:rPr lang="en-US" smtClean="0"/>
+              <a:rPr lang="en-US"/>
               <a:t>Click to edit Master title style</a:t>
             </a:r>
-            <a:endParaRPr lang="en-US"/>
           </a:p>
         </p:txBody>
       </p:sp>
@@ -2681,38 +2680,37 @@
           <a:p>
             <a:pPr lvl="0"/>
             <a:r>
-              <a:rPr lang="en-US" smtClean="0"/>
+              <a:rPr lang="en-US"/>
               <a:t>Click to edit Master text styles</a:t>
             </a:r>
           </a:p>
           <a:p>
             <a:pPr lvl="1"/>
             <a:r>
-              <a:rPr lang="en-US" smtClean="0"/>
+              <a:rPr lang="en-US"/>
               <a:t>Second level</a:t>
             </a:r>
           </a:p>
           <a:p>
             <a:pPr lvl="2"/>
             <a:r>
-              <a:rPr lang="en-US" smtClean="0"/>
+              <a:rPr lang="en-US"/>
               <a:t>Third level</a:t>
             </a:r>
           </a:p>
           <a:p>
             <a:pPr lvl="3"/>
             <a:r>
-              <a:rPr lang="en-US" smtClean="0"/>
+              <a:rPr lang="en-US"/>
               <a:t>Fourth level</a:t>
             </a:r>
           </a:p>
           <a:p>
             <a:pPr lvl="4"/>
             <a:r>
-              <a:rPr lang="en-US" smtClean="0"/>
+              <a:rPr lang="en-US"/>
               <a:t>Fifth level</a:t>
             </a:r>
-            <a:endParaRPr lang="en-US"/>
           </a:p>
         </p:txBody>
       </p:sp>
@@ -2775,7 +2773,7 @@
           <a:p>
             <a:pPr lvl="0"/>
             <a:r>
-              <a:rPr lang="en-US" smtClean="0"/>
+              <a:rPr lang="en-US"/>
               <a:t>Click to edit Master text styles</a:t>
             </a:r>
           </a:p>
@@ -2798,7 +2796,7 @@
           <a:p>
             <a:fld id="{D3F9B237-FA07-A443-AA6E-D4FA7F83BC67}" type="datetimeFigureOut">
               <a:rPr lang="en-US" smtClean="0"/>
-              <a:t>2/23/16</a:t>
+              <a:t>2/21/18</a:t>
             </a:fld>
             <a:endParaRPr lang="en-US"/>
           </a:p>
@@ -2901,10 +2899,9 @@
           </a:lstStyle>
           <a:p>
             <a:r>
-              <a:rPr lang="en-US" smtClean="0"/>
+              <a:rPr lang="en-US"/>
               <a:t>Click to edit Master title style</a:t>
             </a:r>
-            <a:endParaRPr lang="en-US"/>
           </a:p>
         </p:txBody>
       </p:sp>
@@ -3028,7 +3025,7 @@
           <a:p>
             <a:pPr lvl="0"/>
             <a:r>
-              <a:rPr lang="en-US" smtClean="0"/>
+              <a:rPr lang="en-US"/>
               <a:t>Click to edit Master text styles</a:t>
             </a:r>
           </a:p>
@@ -3051,7 +3048,7 @@
           <a:p>
             <a:fld id="{D3F9B237-FA07-A443-AA6E-D4FA7F83BC67}" type="datetimeFigureOut">
               <a:rPr lang="en-US" smtClean="0"/>
-              <a:t>2/23/16</a:t>
+              <a:t>2/21/18</a:t>
             </a:fld>
             <a:endParaRPr lang="en-US"/>
           </a:p>
@@ -3160,10 +3157,9 @@
           <a:lstStyle/>
           <a:p>
             <a:r>
-              <a:rPr lang="en-US" smtClean="0"/>
+              <a:rPr lang="en-US"/>
               <a:t>Click to edit Master title style</a:t>
             </a:r>
-            <a:endParaRPr lang="en-US"/>
           </a:p>
         </p:txBody>
       </p:sp>
@@ -3194,38 +3190,37 @@
           <a:p>
             <a:pPr lvl="0"/>
             <a:r>
-              <a:rPr lang="en-US" smtClean="0"/>
+              <a:rPr lang="en-US"/>
               <a:t>Click to edit Master text styles</a:t>
             </a:r>
           </a:p>
           <a:p>
             <a:pPr lvl="1"/>
             <a:r>
-              <a:rPr lang="en-US" smtClean="0"/>
+              <a:rPr lang="en-US"/>
               <a:t>Second level</a:t>
             </a:r>
           </a:p>
           <a:p>
             <a:pPr lvl="2"/>
             <a:r>
-              <a:rPr lang="en-US" smtClean="0"/>
+              <a:rPr lang="en-US"/>
               <a:t>Third level</a:t>
             </a:r>
           </a:p>
           <a:p>
             <a:pPr lvl="3"/>
             <a:r>
-              <a:rPr lang="en-US" smtClean="0"/>
+              <a:rPr lang="en-US"/>
               <a:t>Fourth level</a:t>
             </a:r>
           </a:p>
           <a:p>
             <a:pPr lvl="4"/>
             <a:r>
-              <a:rPr lang="en-US" smtClean="0"/>
+              <a:rPr lang="en-US"/>
               <a:t>Fifth level</a:t>
             </a:r>
-            <a:endParaRPr lang="en-US"/>
           </a:p>
         </p:txBody>
       </p:sp>
@@ -3264,7 +3259,7 @@
           <a:p>
             <a:fld id="{D3F9B237-FA07-A443-AA6E-D4FA7F83BC67}" type="datetimeFigureOut">
               <a:rPr lang="en-US" smtClean="0"/>
-              <a:t>2/23/16</a:t>
+              <a:t>2/21/18</a:t>
             </a:fld>
             <a:endParaRPr lang="en-US"/>
           </a:p>
@@ -3893,10 +3888,9 @@
             <a:p>
               <a:pPr algn="ctr"/>
               <a:r>
-                <a:rPr lang="en-US" sz="2800" dirty="0" smtClean="0"/>
+                <a:rPr lang="en-US" sz="2800" dirty="0"/>
                 <a:t>V</a:t>
               </a:r>
-              <a:endParaRPr lang="en-US" sz="2800" dirty="0"/>
             </a:p>
           </p:txBody>
         </p:sp>
@@ -3935,10 +3929,9 @@
             <a:p>
               <a:pPr algn="ctr"/>
               <a:r>
-                <a:rPr lang="en-US" sz="2800" dirty="0" smtClean="0"/>
+                <a:rPr lang="en-US" sz="2800" dirty="0"/>
                 <a:t>H</a:t>
               </a:r>
-              <a:endParaRPr lang="en-US" sz="2800" dirty="0"/>
             </a:p>
           </p:txBody>
         </p:sp>
@@ -4242,10 +4235,9 @@
             <a:p>
               <a:pPr algn="ctr"/>
               <a:r>
-                <a:rPr lang="en-US" sz="2800" dirty="0" smtClean="0"/>
+                <a:rPr lang="en-US" sz="2800" dirty="0"/>
                 <a:t>S</a:t>
               </a:r>
-              <a:endParaRPr lang="en-US" sz="2800" dirty="0"/>
             </a:p>
           </p:txBody>
         </p:sp>
@@ -4611,10 +4603,9 @@
             <a:p>
               <a:pPr algn="dist"/>
               <a:r>
-                <a:rPr lang="en-US" sz="1200" dirty="0" smtClean="0"/>
+                <a:rPr lang="en-US" sz="1200" dirty="0"/>
                 <a:t>V</a:t>
               </a:r>
-              <a:endParaRPr lang="en-US" sz="1200" dirty="0"/>
             </a:p>
           </p:txBody>
         </p:sp>
@@ -4658,18 +4649,13 @@
             <a:p>
               <a:pPr algn="dist"/>
               <a:r>
-                <a:rPr lang="en-US" sz="1200" dirty="0" smtClean="0">
+                <a:rPr lang="en-US" sz="1200" dirty="0">
                   <a:solidFill>
                     <a:srgbClr val="FF0000"/>
                   </a:solidFill>
                 </a:rPr>
                 <a:t>H</a:t>
               </a:r>
-              <a:endParaRPr lang="en-US" sz="1200" dirty="0">
-                <a:solidFill>
-                  <a:srgbClr val="FF0000"/>
-                </a:solidFill>
-              </a:endParaRPr>
             </a:p>
           </p:txBody>
         </p:sp>
@@ -5006,18 +4992,13 @@
             <a:p>
               <a:pPr algn="dist"/>
               <a:r>
-                <a:rPr lang="en-US" sz="1200" dirty="0" smtClean="0">
+                <a:rPr lang="en-US" sz="1200" dirty="0">
                   <a:solidFill>
                     <a:srgbClr val="FF0000"/>
                   </a:solidFill>
                 </a:rPr>
                 <a:t>S</a:t>
               </a:r>
-              <a:endParaRPr lang="en-US" sz="1200" dirty="0">
-                <a:solidFill>
-                  <a:srgbClr val="FF0000"/>
-                </a:solidFill>
-              </a:endParaRPr>
             </a:p>
           </p:txBody>
         </p:sp>
@@ -5640,10 +5621,9 @@
           <a:p>
             <a:pPr algn="ctr"/>
             <a:r>
-              <a:rPr lang="en-US" dirty="0" smtClean="0"/>
+              <a:rPr lang="en-US" dirty="0"/>
               <a:t>Theme, mood, intent</a:t>
             </a:r>
-            <a:endParaRPr lang="en-US" dirty="0"/>
           </a:p>
         </p:txBody>
       </p:sp>
@@ -5670,10 +5650,9 @@
           <a:lstStyle/>
           <a:p>
             <a:r>
-              <a:rPr lang="en-US" dirty="0" smtClean="0"/>
+              <a:rPr lang="en-US" dirty="0"/>
               <a:t>Politics</a:t>
             </a:r>
-            <a:endParaRPr lang="en-US" dirty="0"/>
           </a:p>
         </p:txBody>
       </p:sp>
@@ -5700,10 +5679,9 @@
           <a:lstStyle/>
           <a:p>
             <a:r>
-              <a:rPr lang="en-US" dirty="0" smtClean="0"/>
+              <a:rPr lang="en-US" dirty="0"/>
               <a:t>Sports</a:t>
             </a:r>
-            <a:endParaRPr lang="en-US" dirty="0"/>
           </a:p>
         </p:txBody>
       </p:sp>
@@ -5730,7 +5708,7 @@
           <a:lstStyle/>
           <a:p>
             <a:r>
-              <a:rPr lang="en-US" dirty="0" smtClean="0"/>
+              <a:rPr lang="en-US" dirty="0"/>
               <a:t>News</a:t>
             </a:r>
           </a:p>
@@ -5759,10 +5737,9 @@
           <a:lstStyle/>
           <a:p>
             <a:r>
-              <a:rPr lang="en-US" dirty="0" smtClean="0"/>
+              <a:rPr lang="en-US" dirty="0"/>
               <a:t>Weather</a:t>
             </a:r>
-            <a:endParaRPr lang="en-US" dirty="0"/>
           </a:p>
         </p:txBody>
       </p:sp>
@@ -5789,10 +5766,9 @@
           <a:lstStyle/>
           <a:p>
             <a:r>
-              <a:rPr lang="en-US" dirty="0" smtClean="0"/>
+              <a:rPr lang="en-US" dirty="0"/>
               <a:t>Social Network</a:t>
             </a:r>
-            <a:endParaRPr lang="en-US" dirty="0"/>
           </a:p>
         </p:txBody>
       </p:sp>
@@ -5819,10 +5795,9 @@
           <a:lstStyle/>
           <a:p>
             <a:r>
-              <a:rPr lang="en-US" dirty="0" smtClean="0"/>
+              <a:rPr lang="en-US" dirty="0"/>
               <a:t>Stocks</a:t>
             </a:r>
-            <a:endParaRPr lang="en-US" dirty="0"/>
           </a:p>
         </p:txBody>
       </p:sp>
@@ -5856,6 +5831,700 @@
           <a:chExt cx="0" cy="0"/>
         </a:xfrm>
       </p:grpSpPr>
+      <p:pic>
+        <p:nvPicPr>
+          <p:cNvPr id="27" name="Picture 26"/>
+          <p:cNvPicPr>
+            <a:picLocks noChangeAspect="1"/>
+          </p:cNvPicPr>
+          <p:nvPr/>
+        </p:nvPicPr>
+        <p:blipFill>
+          <a:blip r:embed="rId2"/>
+          <a:stretch>
+            <a:fillRect/>
+          </a:stretch>
+        </p:blipFill>
+        <p:spPr>
+          <a:xfrm>
+            <a:off x="1862060" y="3813285"/>
+            <a:ext cx="1755671" cy="1253279"/>
+          </a:xfrm>
+          <a:prstGeom prst="rect">
+            <a:avLst/>
+          </a:prstGeom>
+        </p:spPr>
+      </p:pic>
+      <p:pic>
+        <p:nvPicPr>
+          <p:cNvPr id="4" name="Picture 3"/>
+          <p:cNvPicPr>
+            <a:picLocks noChangeAspect="1"/>
+          </p:cNvPicPr>
+          <p:nvPr/>
+        </p:nvPicPr>
+        <p:blipFill>
+          <a:blip r:embed="rId3"/>
+          <a:stretch>
+            <a:fillRect/>
+          </a:stretch>
+        </p:blipFill>
+        <p:spPr>
+          <a:xfrm>
+            <a:off x="1431372" y="2575076"/>
+            <a:ext cx="1241318" cy="952430"/>
+          </a:xfrm>
+          <a:prstGeom prst="rect">
+            <a:avLst/>
+          </a:prstGeom>
+        </p:spPr>
+      </p:pic>
+      <p:pic>
+        <p:nvPicPr>
+          <p:cNvPr id="5" name="Picture 4"/>
+          <p:cNvPicPr>
+            <a:picLocks noChangeAspect="1"/>
+          </p:cNvPicPr>
+          <p:nvPr/>
+        </p:nvPicPr>
+        <p:blipFill>
+          <a:blip r:embed="rId4"/>
+          <a:stretch>
+            <a:fillRect/>
+          </a:stretch>
+        </p:blipFill>
+        <p:spPr>
+          <a:xfrm>
+            <a:off x="5869077" y="1802630"/>
+            <a:ext cx="1344212" cy="1223233"/>
+          </a:xfrm>
+          <a:prstGeom prst="rect">
+            <a:avLst/>
+          </a:prstGeom>
+        </p:spPr>
+      </p:pic>
+      <p:pic>
+        <p:nvPicPr>
+          <p:cNvPr id="6" name="Picture 5"/>
+          <p:cNvPicPr>
+            <a:picLocks noChangeAspect="1"/>
+          </p:cNvPicPr>
+          <p:nvPr/>
+        </p:nvPicPr>
+        <p:blipFill>
+          <a:blip r:embed="rId5"/>
+          <a:stretch>
+            <a:fillRect/>
+          </a:stretch>
+        </p:blipFill>
+        <p:spPr>
+          <a:xfrm>
+            <a:off x="6381900" y="2922592"/>
+            <a:ext cx="1123243" cy="402121"/>
+          </a:xfrm>
+          <a:prstGeom prst="rect">
+            <a:avLst/>
+          </a:prstGeom>
+        </p:spPr>
+      </p:pic>
+      <p:pic>
+        <p:nvPicPr>
+          <p:cNvPr id="7" name="Picture 6"/>
+          <p:cNvPicPr>
+            <a:picLocks noChangeAspect="1"/>
+          </p:cNvPicPr>
+          <p:nvPr/>
+        </p:nvPicPr>
+        <p:blipFill>
+          <a:blip r:embed="rId6"/>
+          <a:stretch>
+            <a:fillRect/>
+          </a:stretch>
+        </p:blipFill>
+        <p:spPr>
+          <a:xfrm>
+            <a:off x="6776005" y="1583379"/>
+            <a:ext cx="607683" cy="741677"/>
+          </a:xfrm>
+          <a:prstGeom prst="rect">
+            <a:avLst/>
+          </a:prstGeom>
+        </p:spPr>
+      </p:pic>
+      <p:pic>
+        <p:nvPicPr>
+          <p:cNvPr id="8" name="Picture 7"/>
+          <p:cNvPicPr>
+            <a:picLocks noChangeAspect="1"/>
+          </p:cNvPicPr>
+          <p:nvPr/>
+        </p:nvPicPr>
+        <p:blipFill>
+          <a:blip r:embed="rId7"/>
+          <a:stretch>
+            <a:fillRect/>
+          </a:stretch>
+        </p:blipFill>
+        <p:spPr>
+          <a:xfrm>
+            <a:off x="3455304" y="237053"/>
+            <a:ext cx="2347834" cy="1528419"/>
+          </a:xfrm>
+          <a:prstGeom prst="rect">
+            <a:avLst/>
+          </a:prstGeom>
+        </p:spPr>
+      </p:pic>
+      <p:pic>
+        <p:nvPicPr>
+          <p:cNvPr id="12" name="Picture 11"/>
+          <p:cNvPicPr>
+            <a:picLocks noChangeAspect="1"/>
+          </p:cNvPicPr>
+          <p:nvPr/>
+        </p:nvPicPr>
+        <p:blipFill>
+          <a:blip r:embed="rId8"/>
+          <a:stretch>
+            <a:fillRect/>
+          </a:stretch>
+        </p:blipFill>
+        <p:spPr>
+          <a:xfrm>
+            <a:off x="3645326" y="2011188"/>
+            <a:ext cx="1452784" cy="1452784"/>
+          </a:xfrm>
+          <a:prstGeom prst="rect">
+            <a:avLst/>
+          </a:prstGeom>
+        </p:spPr>
+      </p:pic>
+      <p:cxnSp>
+        <p:nvCxnSpPr>
+          <p:cNvPr id="16" name="Straight Arrow Connector 15"/>
+          <p:cNvCxnSpPr/>
+          <p:nvPr/>
+        </p:nvCxnSpPr>
+        <p:spPr>
+          <a:xfrm>
+            <a:off x="2672691" y="2870576"/>
+            <a:ext cx="1107468" cy="0"/>
+          </a:xfrm>
+          <a:prstGeom prst="straightConnector1">
+            <a:avLst/>
+          </a:prstGeom>
+          <a:ln>
+            <a:tailEnd type="arrow"/>
+          </a:ln>
+        </p:spPr>
+        <p:style>
+          <a:lnRef idx="2">
+            <a:schemeClr val="accent1"/>
+          </a:lnRef>
+          <a:fillRef idx="0">
+            <a:schemeClr val="accent1"/>
+          </a:fillRef>
+          <a:effectRef idx="1">
+            <a:schemeClr val="accent1"/>
+          </a:effectRef>
+          <a:fontRef idx="minor">
+            <a:schemeClr val="tx1"/>
+          </a:fontRef>
+        </p:style>
+      </p:cxnSp>
+      <p:cxnSp>
+        <p:nvCxnSpPr>
+          <p:cNvPr id="18" name="Straight Arrow Connector 17"/>
+          <p:cNvCxnSpPr/>
+          <p:nvPr/>
+        </p:nvCxnSpPr>
+        <p:spPr>
+          <a:xfrm flipV="1">
+            <a:off x="3185264" y="3549916"/>
+            <a:ext cx="402934" cy="339668"/>
+          </a:xfrm>
+          <a:prstGeom prst="straightConnector1">
+            <a:avLst/>
+          </a:prstGeom>
+          <a:ln>
+            <a:tailEnd type="arrow"/>
+          </a:ln>
+        </p:spPr>
+        <p:style>
+          <a:lnRef idx="2">
+            <a:schemeClr val="accent1"/>
+          </a:lnRef>
+          <a:fillRef idx="0">
+            <a:schemeClr val="accent1"/>
+          </a:fillRef>
+          <a:effectRef idx="1">
+            <a:schemeClr val="accent1"/>
+          </a:effectRef>
+          <a:fontRef idx="minor">
+            <a:schemeClr val="tx1"/>
+          </a:fontRef>
+        </p:style>
+      </p:cxnSp>
+      <p:cxnSp>
+        <p:nvCxnSpPr>
+          <p:cNvPr id="20" name="Straight Arrow Connector 19"/>
+          <p:cNvCxnSpPr/>
+          <p:nvPr/>
+        </p:nvCxnSpPr>
+        <p:spPr>
+          <a:xfrm flipH="1">
+            <a:off x="4359799" y="1723371"/>
+            <a:ext cx="493" cy="290648"/>
+          </a:xfrm>
+          <a:prstGeom prst="straightConnector1">
+            <a:avLst/>
+          </a:prstGeom>
+          <a:ln>
+            <a:tailEnd type="arrow"/>
+          </a:ln>
+        </p:spPr>
+        <p:style>
+          <a:lnRef idx="2">
+            <a:schemeClr val="accent1"/>
+          </a:lnRef>
+          <a:fillRef idx="0">
+            <a:schemeClr val="accent1"/>
+          </a:fillRef>
+          <a:effectRef idx="1">
+            <a:schemeClr val="accent1"/>
+          </a:effectRef>
+          <a:fontRef idx="minor">
+            <a:schemeClr val="tx1"/>
+          </a:fontRef>
+        </p:style>
+      </p:cxnSp>
+      <p:pic>
+        <p:nvPicPr>
+          <p:cNvPr id="25" name="Picture 24"/>
+          <p:cNvPicPr>
+            <a:picLocks noChangeAspect="1"/>
+          </p:cNvPicPr>
+          <p:nvPr/>
+        </p:nvPicPr>
+        <p:blipFill>
+          <a:blip r:embed="rId9"/>
+          <a:stretch>
+            <a:fillRect/>
+          </a:stretch>
+        </p:blipFill>
+        <p:spPr>
+          <a:xfrm>
+            <a:off x="1459392" y="832356"/>
+            <a:ext cx="1730118" cy="1435098"/>
+          </a:xfrm>
+          <a:prstGeom prst="rect">
+            <a:avLst/>
+          </a:prstGeom>
+        </p:spPr>
+      </p:pic>
+      <p:cxnSp>
+        <p:nvCxnSpPr>
+          <p:cNvPr id="14" name="Straight Arrow Connector 13"/>
+          <p:cNvCxnSpPr/>
+          <p:nvPr/>
+        </p:nvCxnSpPr>
+        <p:spPr>
+          <a:xfrm>
+            <a:off x="2997548" y="2028787"/>
+            <a:ext cx="856443" cy="457815"/>
+          </a:xfrm>
+          <a:prstGeom prst="straightConnector1">
+            <a:avLst/>
+          </a:prstGeom>
+          <a:ln>
+            <a:tailEnd type="arrow"/>
+          </a:ln>
+        </p:spPr>
+        <p:style>
+          <a:lnRef idx="2">
+            <a:schemeClr val="accent1"/>
+          </a:lnRef>
+          <a:fillRef idx="0">
+            <a:schemeClr val="accent1"/>
+          </a:fillRef>
+          <a:effectRef idx="1">
+            <a:schemeClr val="accent1"/>
+          </a:effectRef>
+          <a:fontRef idx="minor">
+            <a:schemeClr val="tx1"/>
+          </a:fontRef>
+        </p:style>
+      </p:cxnSp>
+      <p:pic>
+        <p:nvPicPr>
+          <p:cNvPr id="28" name="Picture 27"/>
+          <p:cNvPicPr>
+            <a:picLocks noChangeAspect="1"/>
+          </p:cNvPicPr>
+          <p:nvPr/>
+        </p:nvPicPr>
+        <p:blipFill>
+          <a:blip r:embed="rId10"/>
+          <a:stretch>
+            <a:fillRect/>
+          </a:stretch>
+        </p:blipFill>
+        <p:spPr>
+          <a:xfrm>
+            <a:off x="5428288" y="3640821"/>
+            <a:ext cx="1703810" cy="1425521"/>
+          </a:xfrm>
+          <a:prstGeom prst="rect">
+            <a:avLst/>
+          </a:prstGeom>
+        </p:spPr>
+      </p:pic>
+      <p:cxnSp>
+        <p:nvCxnSpPr>
+          <p:cNvPr id="29" name="Straight Arrow Connector 28"/>
+          <p:cNvCxnSpPr/>
+          <p:nvPr/>
+        </p:nvCxnSpPr>
+        <p:spPr>
+          <a:xfrm flipH="1" flipV="1">
+            <a:off x="5182953" y="3535147"/>
+            <a:ext cx="398689" cy="221525"/>
+          </a:xfrm>
+          <a:prstGeom prst="straightConnector1">
+            <a:avLst/>
+          </a:prstGeom>
+          <a:ln>
+            <a:tailEnd type="arrow"/>
+          </a:ln>
+        </p:spPr>
+        <p:style>
+          <a:lnRef idx="2">
+            <a:schemeClr val="accent1"/>
+          </a:lnRef>
+          <a:fillRef idx="0">
+            <a:schemeClr val="accent1"/>
+          </a:fillRef>
+          <a:effectRef idx="1">
+            <a:schemeClr val="accent1"/>
+          </a:effectRef>
+          <a:fontRef idx="minor">
+            <a:schemeClr val="tx1"/>
+          </a:fontRef>
+        </p:style>
+      </p:cxnSp>
+      <p:cxnSp>
+        <p:nvCxnSpPr>
+          <p:cNvPr id="32" name="Straight Arrow Connector 31"/>
+          <p:cNvCxnSpPr/>
+          <p:nvPr/>
+        </p:nvCxnSpPr>
+        <p:spPr>
+          <a:xfrm flipH="1">
+            <a:off x="4793791" y="2486602"/>
+            <a:ext cx="876449" cy="190602"/>
+          </a:xfrm>
+          <a:prstGeom prst="straightConnector1">
+            <a:avLst/>
+          </a:prstGeom>
+          <a:ln>
+            <a:tailEnd type="arrow"/>
+          </a:ln>
+        </p:spPr>
+        <p:style>
+          <a:lnRef idx="2">
+            <a:schemeClr val="accent1"/>
+          </a:lnRef>
+          <a:fillRef idx="0">
+            <a:schemeClr val="accent1"/>
+          </a:fillRef>
+          <a:effectRef idx="1">
+            <a:schemeClr val="accent1"/>
+          </a:effectRef>
+          <a:fontRef idx="minor">
+            <a:schemeClr val="tx1"/>
+          </a:fontRef>
+        </p:style>
+      </p:cxnSp>
+      <p:cxnSp>
+        <p:nvCxnSpPr>
+          <p:cNvPr id="35" name="Straight Arrow Connector 34"/>
+          <p:cNvCxnSpPr>
+            <a:cxnSpLocks/>
+          </p:cNvCxnSpPr>
+          <p:nvPr/>
+        </p:nvCxnSpPr>
+        <p:spPr>
+          <a:xfrm flipH="1">
+            <a:off x="4345033" y="3647959"/>
+            <a:ext cx="20000" cy="1954741"/>
+          </a:xfrm>
+          <a:prstGeom prst="straightConnector1">
+            <a:avLst/>
+          </a:prstGeom>
+          <a:ln w="76200" cmpd="sng">
+            <a:tailEnd type="arrow"/>
+          </a:ln>
+        </p:spPr>
+        <p:style>
+          <a:lnRef idx="2">
+            <a:schemeClr val="accent1"/>
+          </a:lnRef>
+          <a:fillRef idx="0">
+            <a:schemeClr val="accent1"/>
+          </a:fillRef>
+          <a:effectRef idx="1">
+            <a:schemeClr val="accent1"/>
+          </a:effectRef>
+          <a:fontRef idx="minor">
+            <a:schemeClr val="tx1"/>
+          </a:fontRef>
+        </p:style>
+      </p:cxnSp>
+      <p:sp>
+        <p:nvSpPr>
+          <p:cNvPr id="38" name="Cloud 37"/>
+          <p:cNvSpPr/>
+          <p:nvPr/>
+        </p:nvSpPr>
+        <p:spPr>
+          <a:xfrm>
+            <a:off x="3089904" y="5779921"/>
+            <a:ext cx="2584094" cy="930399"/>
+          </a:xfrm>
+          <a:prstGeom prst="cloud">
+            <a:avLst/>
+          </a:prstGeom>
+        </p:spPr>
+        <p:style>
+          <a:lnRef idx="1">
+            <a:schemeClr val="accent1"/>
+          </a:lnRef>
+          <a:fillRef idx="3">
+            <a:schemeClr val="accent1"/>
+          </a:fillRef>
+          <a:effectRef idx="2">
+            <a:schemeClr val="accent1"/>
+          </a:effectRef>
+          <a:fontRef idx="minor">
+            <a:schemeClr val="lt1"/>
+          </a:fontRef>
+        </p:style>
+        <p:txBody>
+          <a:bodyPr rtlCol="0" anchor="ctr"/>
+          <a:lstStyle/>
+          <a:p>
+            <a:pPr algn="ctr"/>
+            <a:r>
+              <a:rPr lang="en-US" dirty="0"/>
+              <a:t>Aesthetic</a:t>
+            </a:r>
+          </a:p>
+        </p:txBody>
+      </p:sp>
+      <p:sp>
+        <p:nvSpPr>
+          <p:cNvPr id="39" name="TextBox 38"/>
+          <p:cNvSpPr txBox="1"/>
+          <p:nvPr/>
+        </p:nvSpPr>
+        <p:spPr>
+          <a:xfrm>
+            <a:off x="2315961" y="5018201"/>
+            <a:ext cx="851515" cy="369332"/>
+          </a:xfrm>
+          <a:prstGeom prst="rect">
+            <a:avLst/>
+          </a:prstGeom>
+          <a:noFill/>
+        </p:spPr>
+        <p:txBody>
+          <a:bodyPr wrap="none" rtlCol="0">
+            <a:spAutoFit/>
+          </a:bodyPr>
+          <a:lstStyle/>
+          <a:p>
+            <a:r>
+              <a:rPr lang="en-US" dirty="0"/>
+              <a:t>Politics</a:t>
+            </a:r>
+          </a:p>
+        </p:txBody>
+      </p:sp>
+      <p:sp>
+        <p:nvSpPr>
+          <p:cNvPr id="40" name="TextBox 39"/>
+          <p:cNvSpPr txBox="1"/>
+          <p:nvPr/>
+        </p:nvSpPr>
+        <p:spPr>
+          <a:xfrm>
+            <a:off x="1335283" y="3452210"/>
+            <a:ext cx="787395" cy="369332"/>
+          </a:xfrm>
+          <a:prstGeom prst="rect">
+            <a:avLst/>
+          </a:prstGeom>
+          <a:noFill/>
+        </p:spPr>
+        <p:txBody>
+          <a:bodyPr wrap="none" rtlCol="0">
+            <a:spAutoFit/>
+          </a:bodyPr>
+          <a:lstStyle/>
+          <a:p>
+            <a:r>
+              <a:rPr lang="en-US" dirty="0"/>
+              <a:t>Sports</a:t>
+            </a:r>
+          </a:p>
+        </p:txBody>
+      </p:sp>
+      <p:sp>
+        <p:nvSpPr>
+          <p:cNvPr id="41" name="TextBox 40"/>
+          <p:cNvSpPr txBox="1"/>
+          <p:nvPr/>
+        </p:nvSpPr>
+        <p:spPr>
+          <a:xfrm>
+            <a:off x="5456698" y="4871750"/>
+            <a:ext cx="703813" cy="369332"/>
+          </a:xfrm>
+          <a:prstGeom prst="rect">
+            <a:avLst/>
+          </a:prstGeom>
+          <a:noFill/>
+        </p:spPr>
+        <p:txBody>
+          <a:bodyPr wrap="none" rtlCol="0">
+            <a:spAutoFit/>
+          </a:bodyPr>
+          <a:lstStyle/>
+          <a:p>
+            <a:r>
+              <a:rPr lang="en-US" dirty="0"/>
+              <a:t>News</a:t>
+            </a:r>
+          </a:p>
+        </p:txBody>
+      </p:sp>
+      <p:sp>
+        <p:nvSpPr>
+          <p:cNvPr id="42" name="TextBox 41"/>
+          <p:cNvSpPr txBox="1"/>
+          <p:nvPr/>
+        </p:nvSpPr>
+        <p:spPr>
+          <a:xfrm>
+            <a:off x="1397540" y="501059"/>
+            <a:ext cx="1009373" cy="369332"/>
+          </a:xfrm>
+          <a:prstGeom prst="rect">
+            <a:avLst/>
+          </a:prstGeom>
+          <a:noFill/>
+        </p:spPr>
+        <p:txBody>
+          <a:bodyPr wrap="none" rtlCol="0">
+            <a:spAutoFit/>
+          </a:bodyPr>
+          <a:lstStyle/>
+          <a:p>
+            <a:r>
+              <a:rPr lang="en-US" dirty="0"/>
+              <a:t>Weather</a:t>
+            </a:r>
+          </a:p>
+        </p:txBody>
+      </p:sp>
+      <p:sp>
+        <p:nvSpPr>
+          <p:cNvPr id="43" name="TextBox 42"/>
+          <p:cNvSpPr txBox="1"/>
+          <p:nvPr/>
+        </p:nvSpPr>
+        <p:spPr>
+          <a:xfrm>
+            <a:off x="5045802" y="202209"/>
+            <a:ext cx="1595309" cy="369332"/>
+          </a:xfrm>
+          <a:prstGeom prst="rect">
+            <a:avLst/>
+          </a:prstGeom>
+          <a:noFill/>
+        </p:spPr>
+        <p:txBody>
+          <a:bodyPr wrap="none" rtlCol="0">
+            <a:spAutoFit/>
+          </a:bodyPr>
+          <a:lstStyle/>
+          <a:p>
+            <a:r>
+              <a:rPr lang="en-US" dirty="0"/>
+              <a:t>Social Network</a:t>
+            </a:r>
+          </a:p>
+        </p:txBody>
+      </p:sp>
+      <p:sp>
+        <p:nvSpPr>
+          <p:cNvPr id="44" name="TextBox 43"/>
+          <p:cNvSpPr txBox="1"/>
+          <p:nvPr/>
+        </p:nvSpPr>
+        <p:spPr>
+          <a:xfrm>
+            <a:off x="6253589" y="1410064"/>
+            <a:ext cx="787395" cy="369332"/>
+          </a:xfrm>
+          <a:prstGeom prst="rect">
+            <a:avLst/>
+          </a:prstGeom>
+          <a:noFill/>
+        </p:spPr>
+        <p:txBody>
+          <a:bodyPr wrap="none" rtlCol="0">
+            <a:spAutoFit/>
+          </a:bodyPr>
+          <a:lstStyle/>
+          <a:p>
+            <a:r>
+              <a:rPr lang="en-US" dirty="0"/>
+              <a:t>Stocks</a:t>
+            </a:r>
+          </a:p>
+        </p:txBody>
+      </p:sp>
+    </p:spTree>
+    <p:extLst>
+      <p:ext uri="{BB962C8B-B14F-4D97-AF65-F5344CB8AC3E}">
+        <p14:creationId xmlns:p14="http://schemas.microsoft.com/office/powerpoint/2010/main" val="966500160"/>
+      </p:ext>
+    </p:extLst>
+  </p:cSld>
+  <p:clrMapOvr>
+    <a:masterClrMapping/>
+  </p:clrMapOvr>
+</p:sld>
+</file>
+
+<file path=ppt/slides/slide4.xml><?xml version="1.0" encoding="utf-8"?>
+<p:sld xmlns:a="http://schemas.openxmlformats.org/drawingml/2006/main" xmlns:r="http://schemas.openxmlformats.org/officeDocument/2006/relationships" xmlns:p="http://schemas.openxmlformats.org/presentationml/2006/main">
+  <p:cSld>
+    <p:spTree>
+      <p:nvGrpSpPr>
+        <p:cNvPr id="1" name=""/>
+        <p:cNvGrpSpPr/>
+        <p:nvPr/>
+      </p:nvGrpSpPr>
+      <p:grpSpPr>
+        <a:xfrm>
+          <a:off x="0" y="0"/>
+          <a:ext cx="0" cy="0"/>
+          <a:chOff x="0" y="0"/>
+          <a:chExt cx="0" cy="0"/>
+        </a:xfrm>
+      </p:grpSpPr>
       <p:sp>
         <p:nvSpPr>
           <p:cNvPr id="2" name="Rectangle 1"/>
@@ -5901,10 +6570,9 @@
           <a:p>
             <a:pPr algn="ctr"/>
             <a:r>
-              <a:rPr lang="en-US" dirty="0" smtClean="0"/>
+              <a:rPr lang="en-US" dirty="0"/>
               <a:t>V</a:t>
             </a:r>
-            <a:endParaRPr lang="en-US" dirty="0"/>
           </a:p>
         </p:txBody>
       </p:sp>
@@ -5953,10 +6621,9 @@
           <a:p>
             <a:pPr algn="ctr"/>
             <a:r>
-              <a:rPr lang="en-US" dirty="0" smtClean="0"/>
+              <a:rPr lang="en-US" dirty="0"/>
               <a:t>C</a:t>
             </a:r>
-            <a:endParaRPr lang="en-US" dirty="0"/>
           </a:p>
         </p:txBody>
       </p:sp>
@@ -6005,10 +6672,9 @@
           <a:p>
             <a:pPr algn="ctr"/>
             <a:r>
-              <a:rPr lang="en-US" dirty="0" smtClean="0"/>
+              <a:rPr lang="en-US" dirty="0"/>
               <a:t>P</a:t>
             </a:r>
-            <a:endParaRPr lang="en-US" dirty="0"/>
           </a:p>
         </p:txBody>
       </p:sp>
@@ -6057,10 +6723,9 @@
           <a:p>
             <a:pPr algn="ctr"/>
             <a:r>
-              <a:rPr lang="en-US" dirty="0" smtClean="0"/>
+              <a:rPr lang="en-US" dirty="0"/>
               <a:t>I</a:t>
             </a:r>
-            <a:endParaRPr lang="en-US" dirty="0"/>
           </a:p>
         </p:txBody>
       </p:sp>
@@ -6109,10 +6774,9 @@
           <a:p>
             <a:pPr algn="ctr"/>
             <a:r>
-              <a:rPr lang="en-US" dirty="0" smtClean="0"/>
+              <a:rPr lang="en-US" dirty="0"/>
               <a:t>V</a:t>
             </a:r>
-            <a:endParaRPr lang="en-US" dirty="0"/>
           </a:p>
         </p:txBody>
       </p:sp>
@@ -6161,10 +6825,9 @@
           <a:p>
             <a:pPr algn="ctr"/>
             <a:r>
-              <a:rPr lang="en-US" dirty="0" smtClean="0"/>
+              <a:rPr lang="en-US" dirty="0"/>
               <a:t>P</a:t>
             </a:r>
-            <a:endParaRPr lang="en-US" dirty="0"/>
           </a:p>
         </p:txBody>
       </p:sp>
@@ -6417,10 +7080,9 @@
           <a:p>
             <a:pPr algn="ctr"/>
             <a:r>
-              <a:rPr lang="en-US" dirty="0" smtClean="0"/>
+              <a:rPr lang="en-US" dirty="0"/>
               <a:t>C</a:t>
             </a:r>
-            <a:endParaRPr lang="en-US" dirty="0"/>
           </a:p>
         </p:txBody>
       </p:sp>
@@ -6469,10 +7131,9 @@
           <a:p>
             <a:pPr algn="ctr"/>
             <a:r>
-              <a:rPr lang="en-US" dirty="0" smtClean="0"/>
+              <a:rPr lang="en-US" dirty="0"/>
               <a:t>P</a:t>
             </a:r>
-            <a:endParaRPr lang="en-US" dirty="0"/>
           </a:p>
         </p:txBody>
       </p:sp>
@@ -6499,10 +7160,9 @@
           <a:lstStyle/>
           <a:p>
             <a:r>
-              <a:rPr lang="en-US" dirty="0" smtClean="0"/>
+              <a:rPr lang="en-US" dirty="0"/>
               <a:t>Billy Joel’s “Piano Man”</a:t>
             </a:r>
-            <a:endParaRPr lang="en-US" dirty="0"/>
           </a:p>
         </p:txBody>
       </p:sp>
@@ -6551,10 +7211,9 @@
           <a:p>
             <a:pPr algn="ctr"/>
             <a:r>
-              <a:rPr lang="en-US" dirty="0" smtClean="0"/>
+              <a:rPr lang="en-US" dirty="0"/>
               <a:t>V</a:t>
             </a:r>
-            <a:endParaRPr lang="en-US" dirty="0"/>
           </a:p>
         </p:txBody>
       </p:sp>
@@ -6603,10 +7262,9 @@
           <a:p>
             <a:pPr algn="ctr"/>
             <a:r>
-              <a:rPr lang="en-US" dirty="0" smtClean="0"/>
+              <a:rPr lang="en-US" dirty="0"/>
               <a:t>C</a:t>
             </a:r>
-            <a:endParaRPr lang="en-US" dirty="0"/>
           </a:p>
         </p:txBody>
       </p:sp>
@@ -6757,10 +7415,9 @@
           <a:p>
             <a:pPr algn="ctr"/>
             <a:r>
-              <a:rPr lang="en-US" dirty="0" smtClean="0"/>
+              <a:rPr lang="en-US" dirty="0"/>
               <a:t>O</a:t>
             </a:r>
-            <a:endParaRPr lang="en-US" dirty="0"/>
           </a:p>
         </p:txBody>
       </p:sp>
@@ -6809,10 +7466,9 @@
           <a:p>
             <a:pPr algn="ctr"/>
             <a:r>
-              <a:rPr lang="en-US" dirty="0" smtClean="0"/>
+              <a:rPr lang="en-US" dirty="0"/>
               <a:t>C</a:t>
             </a:r>
-            <a:endParaRPr lang="en-US" dirty="0"/>
           </a:p>
         </p:txBody>
       </p:sp>
@@ -6839,10 +7495,9 @@
           <a:lstStyle/>
           <a:p>
             <a:r>
-              <a:rPr lang="en-US" dirty="0" smtClean="0"/>
+              <a:rPr lang="en-US" dirty="0"/>
               <a:t>Elton John’s “Rocket Man”</a:t>
             </a:r>
-            <a:endParaRPr lang="en-US" dirty="0"/>
           </a:p>
         </p:txBody>
       </p:sp>
@@ -6891,10 +7546,9 @@
           <a:p>
             <a:pPr algn="ctr"/>
             <a:r>
-              <a:rPr lang="en-US" dirty="0" smtClean="0"/>
+              <a:rPr lang="en-US" dirty="0"/>
               <a:t>V</a:t>
             </a:r>
-            <a:endParaRPr lang="en-US" dirty="0"/>
           </a:p>
         </p:txBody>
       </p:sp>
@@ -6943,10 +7597,9 @@
           <a:p>
             <a:pPr algn="ctr"/>
             <a:r>
-              <a:rPr lang="en-US" dirty="0" smtClean="0"/>
+              <a:rPr lang="en-US" dirty="0"/>
               <a:t>C</a:t>
             </a:r>
-            <a:endParaRPr lang="en-US" dirty="0"/>
           </a:p>
         </p:txBody>
       </p:sp>
@@ -6995,10 +7648,9 @@
           <a:p>
             <a:pPr algn="ctr"/>
             <a:r>
-              <a:rPr lang="en-US" dirty="0" smtClean="0"/>
+              <a:rPr lang="en-US" dirty="0"/>
               <a:t>I</a:t>
             </a:r>
-            <a:endParaRPr lang="en-US" dirty="0"/>
           </a:p>
         </p:txBody>
       </p:sp>
@@ -7047,10 +7699,9 @@
           <a:p>
             <a:pPr algn="ctr"/>
             <a:r>
-              <a:rPr lang="en-US" dirty="0" smtClean="0"/>
+              <a:rPr lang="en-US" dirty="0"/>
               <a:t>V</a:t>
             </a:r>
-            <a:endParaRPr lang="en-US" dirty="0"/>
           </a:p>
         </p:txBody>
       </p:sp>
@@ -7179,10 +7830,9 @@
           <a:lstStyle/>
           <a:p>
             <a:r>
-              <a:rPr lang="en-US" dirty="0" smtClean="0"/>
+              <a:rPr lang="en-US" dirty="0"/>
               <a:t>The Eagles’ “Hotel California”</a:t>
             </a:r>
-            <a:endParaRPr lang="en-US" dirty="0"/>
           </a:p>
         </p:txBody>
       </p:sp>
@@ -7231,10 +7881,9 @@
           <a:p>
             <a:pPr algn="ctr"/>
             <a:r>
-              <a:rPr lang="en-US" dirty="0" smtClean="0"/>
+              <a:rPr lang="en-US" dirty="0"/>
               <a:t>C</a:t>
             </a:r>
-            <a:endParaRPr lang="en-US" dirty="0"/>
           </a:p>
         </p:txBody>
       </p:sp>
@@ -7283,10 +7932,9 @@
           <a:p>
             <a:pPr algn="ctr"/>
             <a:r>
-              <a:rPr lang="en-US" dirty="0" smtClean="0"/>
+              <a:rPr lang="en-US" dirty="0"/>
               <a:t>O</a:t>
             </a:r>
-            <a:endParaRPr lang="en-US" dirty="0"/>
           </a:p>
         </p:txBody>
       </p:sp>
@@ -7335,10 +7983,9 @@
           <a:p>
             <a:pPr algn="ctr"/>
             <a:r>
-              <a:rPr lang="en-US" dirty="0" smtClean="0"/>
+              <a:rPr lang="en-US" dirty="0"/>
               <a:t>V</a:t>
             </a:r>
-            <a:endParaRPr lang="en-US" dirty="0"/>
           </a:p>
         </p:txBody>
       </p:sp>
@@ -7387,10 +8034,9 @@
           <a:p>
             <a:pPr algn="ctr"/>
             <a:r>
-              <a:rPr lang="en-US" dirty="0" smtClean="0"/>
+              <a:rPr lang="en-US" dirty="0"/>
               <a:t>C</a:t>
             </a:r>
-            <a:endParaRPr lang="en-US" dirty="0"/>
           </a:p>
         </p:txBody>
       </p:sp>
@@ -7439,10 +8085,9 @@
           <a:p>
             <a:pPr algn="ctr"/>
             <a:r>
-              <a:rPr lang="en-US" dirty="0" smtClean="0"/>
+              <a:rPr lang="en-US" dirty="0"/>
               <a:t>P</a:t>
             </a:r>
-            <a:endParaRPr lang="en-US" dirty="0"/>
           </a:p>
         </p:txBody>
       </p:sp>
@@ -7491,10 +8136,9 @@
           <a:p>
             <a:pPr algn="ctr"/>
             <a:r>
-              <a:rPr lang="en-US" dirty="0" smtClean="0"/>
+              <a:rPr lang="en-US" dirty="0"/>
               <a:t>I</a:t>
             </a:r>
-            <a:endParaRPr lang="en-US" dirty="0"/>
           </a:p>
         </p:txBody>
       </p:sp>
@@ -7543,10 +8187,9 @@
           <a:p>
             <a:pPr algn="ctr"/>
             <a:r>
-              <a:rPr lang="en-US" dirty="0" smtClean="0"/>
+              <a:rPr lang="en-US" dirty="0"/>
               <a:t>V</a:t>
             </a:r>
-            <a:endParaRPr lang="en-US" dirty="0"/>
           </a:p>
         </p:txBody>
       </p:sp>
@@ -7595,10 +8238,9 @@
           <a:p>
             <a:pPr algn="ctr"/>
             <a:r>
-              <a:rPr lang="en-US" dirty="0" smtClean="0"/>
+              <a:rPr lang="en-US" dirty="0"/>
               <a:t>P</a:t>
             </a:r>
-            <a:endParaRPr lang="en-US" dirty="0"/>
           </a:p>
         </p:txBody>
       </p:sp>
@@ -7697,10 +8339,9 @@
           <a:p>
             <a:pPr algn="ctr"/>
             <a:r>
-              <a:rPr lang="en-US" dirty="0" smtClean="0"/>
+              <a:rPr lang="en-US" dirty="0"/>
               <a:t>B</a:t>
             </a:r>
-            <a:endParaRPr lang="en-US" dirty="0"/>
           </a:p>
         </p:txBody>
       </p:sp>
@@ -7749,10 +8390,9 @@
           <a:p>
             <a:pPr algn="ctr"/>
             <a:r>
-              <a:rPr lang="en-US" dirty="0" smtClean="0"/>
+              <a:rPr lang="en-US" dirty="0"/>
               <a:t>C</a:t>
             </a:r>
-            <a:endParaRPr lang="en-US" dirty="0"/>
           </a:p>
         </p:txBody>
       </p:sp>
@@ -7779,10 +8419,9 @@
           <a:lstStyle/>
           <a:p>
             <a:r>
-              <a:rPr lang="en-US" dirty="0" smtClean="0"/>
+              <a:rPr lang="en-US" dirty="0"/>
               <a:t>Bruno Mars’ “Uptown Funk”</a:t>
             </a:r>
-            <a:endParaRPr lang="en-US" dirty="0"/>
           </a:p>
         </p:txBody>
       </p:sp>
@@ -7830,10 +8469,9 @@
           <a:p>
             <a:pPr algn="ctr"/>
             <a:r>
-              <a:rPr lang="en-US" dirty="0" smtClean="0"/>
+              <a:rPr lang="en-US" dirty="0"/>
               <a:t>B2</a:t>
             </a:r>
-            <a:endParaRPr lang="en-US" dirty="0"/>
           </a:p>
         </p:txBody>
       </p:sp>
@@ -7881,10 +8519,9 @@
           <a:p>
             <a:pPr algn="ctr"/>
             <a:r>
-              <a:rPr lang="en-US" dirty="0" smtClean="0"/>
+              <a:rPr lang="en-US" dirty="0"/>
               <a:t>B</a:t>
             </a:r>
-            <a:endParaRPr lang="en-US" dirty="0"/>
           </a:p>
         </p:txBody>
       </p:sp>
@@ -7933,10 +8570,9 @@
           <a:p>
             <a:pPr algn="ctr"/>
             <a:r>
-              <a:rPr lang="en-US" dirty="0" smtClean="0"/>
+              <a:rPr lang="en-US" dirty="0"/>
               <a:t>V</a:t>
             </a:r>
-            <a:endParaRPr lang="en-US" dirty="0"/>
           </a:p>
         </p:txBody>
       </p:sp>
@@ -7985,10 +8621,9 @@
           <a:p>
             <a:pPr algn="ctr"/>
             <a:r>
-              <a:rPr lang="en-US" dirty="0" smtClean="0"/>
+              <a:rPr lang="en-US" dirty="0"/>
               <a:t>C</a:t>
             </a:r>
-            <a:endParaRPr lang="en-US" dirty="0"/>
           </a:p>
         </p:txBody>
       </p:sp>
@@ -8037,10 +8672,9 @@
           <a:p>
             <a:pPr algn="ctr"/>
             <a:r>
-              <a:rPr lang="en-US" dirty="0" smtClean="0"/>
+              <a:rPr lang="en-US" dirty="0"/>
               <a:t>P</a:t>
             </a:r>
-            <a:endParaRPr lang="en-US" dirty="0"/>
           </a:p>
         </p:txBody>
       </p:sp>
@@ -8089,10 +8723,9 @@
           <a:p>
             <a:pPr algn="ctr"/>
             <a:r>
-              <a:rPr lang="en-US" dirty="0" smtClean="0"/>
+              <a:rPr lang="en-US" dirty="0"/>
               <a:t>I</a:t>
             </a:r>
-            <a:endParaRPr lang="en-US" dirty="0"/>
           </a:p>
         </p:txBody>
       </p:sp>
@@ -8119,10 +8752,9 @@
           <a:lstStyle/>
           <a:p>
             <a:r>
-              <a:rPr lang="en-US" dirty="0" smtClean="0"/>
+              <a:rPr lang="en-US" dirty="0"/>
               <a:t>Phillip Phillips’ “Home”</a:t>
             </a:r>
-            <a:endParaRPr lang="en-US" dirty="0"/>
           </a:p>
         </p:txBody>
       </p:sp>
@@ -8171,10 +8803,9 @@
           <a:p>
             <a:pPr algn="ctr"/>
             <a:r>
-              <a:rPr lang="en-US" dirty="0" smtClean="0"/>
+              <a:rPr lang="en-US" dirty="0"/>
               <a:t>C</a:t>
             </a:r>
-            <a:endParaRPr lang="en-US" dirty="0"/>
           </a:p>
         </p:txBody>
       </p:sp>
@@ -8223,10 +8854,9 @@
           <a:p>
             <a:pPr algn="ctr"/>
             <a:r>
-              <a:rPr lang="en-US" dirty="0" smtClean="0"/>
+              <a:rPr lang="en-US" dirty="0"/>
               <a:t>P</a:t>
             </a:r>
-            <a:endParaRPr lang="en-US" dirty="0"/>
           </a:p>
         </p:txBody>
       </p:sp>
@@ -8254,50 +8884,44 @@
           <a:p>
             <a:pPr algn="r"/>
             <a:r>
-              <a:rPr lang="en-US" dirty="0" smtClean="0"/>
+              <a:rPr lang="en-US" dirty="0"/>
               <a:t>I – Intro</a:t>
             </a:r>
           </a:p>
           <a:p>
             <a:pPr algn="r"/>
             <a:r>
-              <a:rPr lang="en-US" dirty="0" smtClean="0"/>
+              <a:rPr lang="en-US" dirty="0"/>
               <a:t>V – Verse</a:t>
             </a:r>
           </a:p>
           <a:p>
             <a:pPr algn="r"/>
             <a:r>
-              <a:rPr lang="en-US" dirty="0" smtClean="0"/>
+              <a:rPr lang="en-US" dirty="0"/>
               <a:t>P – Pre-chorus</a:t>
             </a:r>
           </a:p>
           <a:p>
             <a:pPr algn="r"/>
             <a:r>
-              <a:rPr lang="en-US" dirty="0" smtClean="0"/>
+              <a:rPr lang="en-US" dirty="0"/>
               <a:t>C – Chorus</a:t>
             </a:r>
           </a:p>
           <a:p>
             <a:pPr algn="r"/>
             <a:r>
-              <a:rPr lang="en-US" dirty="0" smtClean="0"/>
+              <a:rPr lang="en-US" dirty="0"/>
               <a:t>B – Bridge</a:t>
             </a:r>
-            <a:endParaRPr lang="en-US" dirty="0"/>
           </a:p>
           <a:p>
             <a:pPr algn="r"/>
             <a:r>
-              <a:rPr lang="en-US" dirty="0" smtClean="0"/>
-              <a:t>O – Outr</a:t>
-            </a:r>
-            <a:r>
               <a:rPr lang="en-US" dirty="0"/>
-              <a:t>o</a:t>
-            </a:r>
-            <a:endParaRPr lang="en-US" dirty="0" smtClean="0"/>
+              <a:t>O – Outro</a:t>
+            </a:r>
           </a:p>
         </p:txBody>
       </p:sp>
@@ -8314,7 +8938,7 @@
   <p:timing>
     <p:tnLst>
       <p:par>
-        <p:cTn xmlns:p14="http://schemas.microsoft.com/office/powerpoint/2010/main" id="1" dur="indefinite" restart="never" nodeType="tmRoot">
+        <p:cTn id="1" dur="indefinite" restart="never" nodeType="tmRoot">
           <p:childTnLst>
             <p:seq concurrent="1" nextAc="seek">
               <p:cTn id="2" dur="indefinite" nodeType="mainSeq">
@@ -9372,7 +9996,7 @@
 </p:sld>
 </file>
 
-<file path=ppt/slides/slide4.xml><?xml version="1.0" encoding="utf-8"?>
+<file path=ppt/slides/slide5.xml><?xml version="1.0" encoding="utf-8"?>
 <p:sld xmlns:a="http://schemas.openxmlformats.org/drawingml/2006/main" xmlns:r="http://schemas.openxmlformats.org/officeDocument/2006/relationships" xmlns:p="http://schemas.openxmlformats.org/presentationml/2006/main">
   <p:cSld>
     <p:spTree>
@@ -9405,10 +10029,9 @@
           <a:lstStyle/>
           <a:p>
             <a:r>
-              <a:rPr lang="en-US" dirty="0" smtClean="0"/>
+              <a:rPr lang="en-US" dirty="0"/>
               <a:t>Sub-Rhyming Schemes</a:t>
             </a:r>
-            <a:endParaRPr lang="en-US" dirty="0"/>
           </a:p>
         </p:txBody>
       </p:sp>
@@ -9434,187 +10057,186 @@
           <a:lstStyle/>
           <a:p>
             <a:r>
-              <a:rPr lang="en-US" dirty="0" smtClean="0"/>
+              <a:rPr lang="en-US" dirty="0"/>
               <a:t>Now looking back over the </a:t>
             </a:r>
             <a:r>
-              <a:rPr lang="en-US" b="1" u="sng" dirty="0" smtClean="0"/>
+              <a:rPr lang="en-US" b="1" u="sng" dirty="0"/>
               <a:t>years</a:t>
             </a:r>
             <a:r>
-              <a:rPr lang="en-US" dirty="0" smtClean="0"/>
+              <a:rPr lang="en-US" dirty="0"/>
               <a:t>,</a:t>
             </a:r>
           </a:p>
           <a:p>
             <a:r>
-              <a:rPr lang="en-US" dirty="0" smtClean="0"/>
+              <a:rPr lang="en-US" dirty="0"/>
               <a:t>And whatever else </a:t>
             </a:r>
             <a:r>
-              <a:rPr lang="en-US" b="1" u="sng" dirty="0" smtClean="0"/>
+              <a:rPr lang="en-US" b="1" u="sng" dirty="0"/>
               <a:t>appears</a:t>
             </a:r>
           </a:p>
           <a:p>
             <a:r>
-              <a:rPr lang="en-US" dirty="0" smtClean="0"/>
+              <a:rPr lang="en-US" dirty="0"/>
               <a:t>I remember I </a:t>
             </a:r>
             <a:r>
-              <a:rPr lang="en-US" b="1" u="sng" dirty="0" smtClean="0"/>
+              <a:rPr lang="en-US" b="1" u="sng" dirty="0"/>
               <a:t>cried</a:t>
             </a:r>
             <a:r>
-              <a:rPr lang="en-US" dirty="0" smtClean="0"/>
+              <a:rPr lang="en-US" dirty="0"/>
               <a:t> when my father </a:t>
             </a:r>
             <a:r>
-              <a:rPr lang="en-US" b="1" u="sng" dirty="0" smtClean="0"/>
+              <a:rPr lang="en-US" b="1" u="sng" dirty="0"/>
               <a:t>died</a:t>
             </a:r>
           </a:p>
           <a:p>
             <a:r>
-              <a:rPr lang="en-US" dirty="0" smtClean="0"/>
+              <a:rPr lang="en-US" dirty="0"/>
               <a:t>Never wishing to hide the </a:t>
             </a:r>
             <a:r>
-              <a:rPr lang="en-US" b="1" u="sng" dirty="0" smtClean="0"/>
+              <a:rPr lang="en-US" b="1" u="sng" dirty="0"/>
               <a:t>tears</a:t>
             </a:r>
           </a:p>
           <a:p>
-            <a:endParaRPr lang="en-US" dirty="0" smtClean="0"/>
-          </a:p>
-          <a:p>
-            <a:r>
-              <a:rPr lang="en-US" dirty="0" smtClean="0"/>
+            <a:endParaRPr lang="en-US" dirty="0"/>
+          </a:p>
+          <a:p>
+            <a:r>
+              <a:rPr lang="en-US" dirty="0"/>
               <a:t>And at sixty five years </a:t>
             </a:r>
             <a:r>
-              <a:rPr lang="en-US" b="1" u="sng" dirty="0" smtClean="0"/>
+              <a:rPr lang="en-US" b="1" u="sng" dirty="0"/>
               <a:t>old</a:t>
             </a:r>
             <a:r>
-              <a:rPr lang="en-US" dirty="0" smtClean="0"/>
+              <a:rPr lang="en-US" dirty="0"/>
               <a:t>,</a:t>
             </a:r>
           </a:p>
           <a:p>
             <a:r>
-              <a:rPr lang="en-US" dirty="0" smtClean="0"/>
+              <a:rPr lang="en-US" dirty="0"/>
               <a:t>My mother, God rest her </a:t>
             </a:r>
             <a:r>
-              <a:rPr lang="en-US" b="1" u="sng" dirty="0" smtClean="0"/>
+              <a:rPr lang="en-US" b="1" u="sng" dirty="0"/>
               <a:t>soul</a:t>
             </a:r>
             <a:r>
-              <a:rPr lang="en-US" dirty="0" smtClean="0"/>
+              <a:rPr lang="en-US" dirty="0"/>
               <a:t>,</a:t>
             </a:r>
           </a:p>
           <a:p>
             <a:r>
-              <a:rPr lang="en-US" dirty="0" smtClean="0"/>
+              <a:rPr lang="en-US" dirty="0"/>
               <a:t>Couldn't under</a:t>
             </a:r>
             <a:r>
-              <a:rPr lang="en-US" b="1" u="sng" dirty="0" smtClean="0"/>
+              <a:rPr lang="en-US" b="1" u="sng" dirty="0"/>
               <a:t>stand</a:t>
             </a:r>
             <a:r>
-              <a:rPr lang="en-US" dirty="0" smtClean="0"/>
+              <a:rPr lang="en-US" dirty="0"/>
               <a:t>, why the only </a:t>
             </a:r>
             <a:r>
-              <a:rPr lang="en-US" b="1" u="sng" dirty="0" smtClean="0"/>
+              <a:rPr lang="en-US" b="1" u="sng" dirty="0"/>
               <a:t>man</a:t>
             </a:r>
           </a:p>
           <a:p>
             <a:r>
-              <a:rPr lang="en-US" dirty="0" smtClean="0"/>
+              <a:rPr lang="en-US" dirty="0"/>
               <a:t>She had ever loved had been taken </a:t>
             </a:r>
           </a:p>
           <a:p>
-            <a:endParaRPr lang="en-US" dirty="0" smtClean="0"/>
-          </a:p>
-          <a:p>
-            <a:r>
-              <a:rPr lang="en-US" dirty="0" smtClean="0"/>
+            <a:endParaRPr lang="en-US" dirty="0"/>
+          </a:p>
+          <a:p>
+            <a:r>
+              <a:rPr lang="en-US" dirty="0"/>
               <a:t>Leaving her to </a:t>
             </a:r>
             <a:r>
-              <a:rPr lang="en-US" b="1" u="sng" dirty="0" smtClean="0"/>
+              <a:rPr lang="en-US" b="1" u="sng" dirty="0"/>
               <a:t>start</a:t>
             </a:r>
             <a:r>
-              <a:rPr lang="en-US" dirty="0" smtClean="0"/>
+              <a:rPr lang="en-US" dirty="0"/>
               <a:t> with a </a:t>
             </a:r>
             <a:r>
-              <a:rPr lang="en-US" b="1" u="sng" dirty="0" smtClean="0"/>
+              <a:rPr lang="en-US" b="1" u="sng" dirty="0"/>
               <a:t>heart </a:t>
             </a:r>
           </a:p>
           <a:p>
             <a:r>
-              <a:rPr lang="en-US" dirty="0" smtClean="0"/>
+              <a:rPr lang="en-US" dirty="0"/>
               <a:t>So badly </a:t>
             </a:r>
             <a:r>
-              <a:rPr lang="en-US" b="1" u="sng" dirty="0" smtClean="0"/>
+              <a:rPr lang="en-US" b="1" u="sng" dirty="0"/>
               <a:t>broken</a:t>
             </a:r>
           </a:p>
           <a:p>
             <a:r>
-              <a:rPr lang="en-US" dirty="0" smtClean="0"/>
+              <a:rPr lang="en-US" dirty="0"/>
               <a:t>Despite encouragement from me</a:t>
             </a:r>
           </a:p>
           <a:p>
             <a:r>
-              <a:rPr lang="en-US" dirty="0" smtClean="0"/>
+              <a:rPr lang="en-US" dirty="0"/>
               <a:t>No words were ever </a:t>
             </a:r>
             <a:r>
-              <a:rPr lang="en-US" b="1" u="sng" dirty="0" smtClean="0"/>
+              <a:rPr lang="en-US" b="1" u="sng" dirty="0"/>
               <a:t>spoken</a:t>
             </a:r>
           </a:p>
           <a:p>
-            <a:endParaRPr lang="en-US" dirty="0" smtClean="0"/>
-          </a:p>
-          <a:p>
-            <a:r>
-              <a:rPr lang="en-US" dirty="0" smtClean="0"/>
+            <a:endParaRPr lang="en-US" dirty="0"/>
+          </a:p>
+          <a:p>
+            <a:r>
+              <a:rPr lang="en-US" dirty="0"/>
               <a:t>And when she passed </a:t>
             </a:r>
             <a:r>
-              <a:rPr lang="en-US" b="1" u="sng" dirty="0" smtClean="0"/>
+              <a:rPr lang="en-US" b="1" u="sng" dirty="0"/>
               <a:t>away</a:t>
             </a:r>
           </a:p>
           <a:p>
             <a:r>
-              <a:rPr lang="en-US" dirty="0" smtClean="0"/>
+              <a:rPr lang="en-US" dirty="0"/>
               <a:t>I cried and cried all </a:t>
             </a:r>
             <a:r>
-              <a:rPr lang="en-US" b="1" u="sng" dirty="0" smtClean="0"/>
+              <a:rPr lang="en-US" b="1" u="sng" dirty="0"/>
               <a:t>day </a:t>
             </a:r>
           </a:p>
           <a:p>
             <a:r>
-              <a:rPr lang="en-US" dirty="0" smtClean="0"/>
+              <a:rPr lang="en-US" dirty="0"/>
               <a:t>Alone again, naturally</a:t>
             </a:r>
-            <a:endParaRPr lang="en-US" dirty="0"/>
           </a:p>
         </p:txBody>
       </p:sp>
@@ -9628,13 +10250,6 @@
   <p:clrMapOvr>
     <a:masterClrMapping/>
   </p:clrMapOvr>
-  <p:timing>
-    <p:tnLst>
-      <p:par>
-        <p:cTn xmlns:p14="http://schemas.microsoft.com/office/powerpoint/2010/main" id="1" dur="indefinite" restart="never" nodeType="tmRoot"/>
-      </p:par>
-    </p:tnLst>
-  </p:timing>
 </p:sld>
 </file>
 
